--- a/Docs/ВКР_Презентация.pptx
+++ b/Docs/ВКР_Презентация.pptx
@@ -14417,37 +14417,45 @@
           <a:p>
             <a:pPr algn="ctr"/>
             <a:r>
+              <a:rPr lang="ru-RU" sz="3200"/>
+              <a:t>Диаграмма коммуникаций многоблочной </a:t>
+            </a:r>
+            <a:r>
               <a:rPr lang="ru-RU" sz="3200" dirty="0"/>
-              <a:t>Диаграмма многоблочной нейронной сети</a:t>
+              <a:t>нейронной сети</a:t>
             </a:r>
           </a:p>
         </p:txBody>
       </p:sp>
-      <p:sp>
-        <p:nvSpPr>
-          <p:cNvPr id="3" name="Объект 2">
+      <p:pic>
+        <p:nvPicPr>
+          <p:cNvPr id="6" name="Объект 5">
             <a:extLst>
               <a:ext uri="{FF2B5EF4-FFF2-40B4-BE49-F238E27FC236}">
-                <a16:creationId xmlns:a16="http://schemas.microsoft.com/office/drawing/2014/main" id="{A368D075-D1CE-4D71-930E-A6EE41967241}"/>
+                <a16:creationId xmlns:a16="http://schemas.microsoft.com/office/drawing/2014/main" id="{5D9DAF3D-C7E3-2B99-64D2-0AE0510BBCBC}"/>
               </a:ext>
             </a:extLst>
           </p:cNvPr>
-          <p:cNvSpPr>
-            <a:spLocks noGrp="1"/>
-          </p:cNvSpPr>
+          <p:cNvPicPr>
+            <a:picLocks noGrp="1" noChangeAspect="1"/>
+          </p:cNvPicPr>
           <p:nvPr>
             <p:ph idx="1"/>
           </p:nvPr>
-        </p:nvSpPr>
-        <p:spPr/>
-        <p:txBody>
-          <a:bodyPr/>
-          <a:lstStyle/>
-          <a:p>
-            <a:endParaRPr lang="ru-RU"/>
-          </a:p>
-        </p:txBody>
-      </p:sp>
+        </p:nvPicPr>
+        <p:blipFill>
+          <a:blip r:embed="rId2"/>
+          <a:stretch>
+            <a:fillRect/>
+          </a:stretch>
+        </p:blipFill>
+        <p:spPr>
+          <a:xfrm>
+            <a:off x="2406131" y="2614439"/>
+            <a:ext cx="7440063" cy="2486372"/>
+          </a:xfrm>
+        </p:spPr>
+      </p:pic>
       <p:sp>
         <p:nvSpPr>
           <p:cNvPr id="4" name="Номер слайда 3">
